--- a/Day 5.pptx
+++ b/Day 5.pptx
@@ -8606,6 +8606,49 @@
           </a:fontRef>
         </p:style>
       </p:cxnSp>
+      <p:sp>
+        <p:nvSpPr>
+          <p:cNvPr id="2" name="TextBox 1">
+            <a:extLst>
+              <a:ext uri="{FF2B5EF4-FFF2-40B4-BE49-F238E27FC236}">
+                <a16:creationId xmlns:a16="http://schemas.microsoft.com/office/drawing/2014/main" id="{0BDAEA79-11EC-D3D2-5DB3-F91F79FBA0DE}"/>
+              </a:ext>
+            </a:extLst>
+          </p:cNvPr>
+          <p:cNvSpPr txBox="1"/>
+          <p:nvPr/>
+        </p:nvSpPr>
+        <p:spPr>
+          <a:xfrm>
+            <a:off x="5436204" y="3198167"/>
+            <a:ext cx="1319592" cy="461665"/>
+          </a:xfrm>
+          <a:prstGeom prst="rect">
+            <a:avLst/>
+          </a:prstGeom>
+          <a:noFill/>
+        </p:spPr>
+        <p:txBody>
+          <a:bodyPr wrap="none" rtlCol="0">
+            <a:spAutoFit/>
+          </a:bodyPr>
+          <a:lstStyle/>
+          <a:p>
+            <a:pPr algn="ctr"/>
+            <a:r>
+              <a:rPr lang="ko-KR" altLang="en-US" sz="2400">
+                <a:latin typeface="나눔스퀘어OTF_ac Light" panose="020B0600000101010101" pitchFamily="34" charset="-127"/>
+                <a:ea typeface="나눔스퀘어OTF_ac Light" panose="020B0600000101010101" pitchFamily="34" charset="-127"/>
+              </a:rPr>
+              <a:t>추가 예정</a:t>
+            </a:r>
+            <a:endParaRPr lang="en-US" altLang="ko-KR" sz="2400">
+              <a:latin typeface="나눔스퀘어OTF_ac Light" panose="020B0600000101010101" pitchFamily="34" charset="-127"/>
+              <a:ea typeface="나눔스퀘어OTF_ac Light" panose="020B0600000101010101" pitchFamily="34" charset="-127"/>
+            </a:endParaRPr>
+          </a:p>
+        </p:txBody>
+      </p:sp>
     </p:spTree>
     <p:extLst>
       <p:ext uri="{BB962C8B-B14F-4D97-AF65-F5344CB8AC3E}">
@@ -8747,6 +8790,49 @@
           </a:fontRef>
         </p:style>
       </p:cxnSp>
+      <p:sp>
+        <p:nvSpPr>
+          <p:cNvPr id="2" name="TextBox 1">
+            <a:extLst>
+              <a:ext uri="{FF2B5EF4-FFF2-40B4-BE49-F238E27FC236}">
+                <a16:creationId xmlns:a16="http://schemas.microsoft.com/office/drawing/2014/main" id="{F08F8488-6C39-C883-C9F4-2200F461399D}"/>
+              </a:ext>
+            </a:extLst>
+          </p:cNvPr>
+          <p:cNvSpPr txBox="1"/>
+          <p:nvPr/>
+        </p:nvSpPr>
+        <p:spPr>
+          <a:xfrm>
+            <a:off x="5436204" y="3198167"/>
+            <a:ext cx="1319592" cy="461665"/>
+          </a:xfrm>
+          <a:prstGeom prst="rect">
+            <a:avLst/>
+          </a:prstGeom>
+          <a:noFill/>
+        </p:spPr>
+        <p:txBody>
+          <a:bodyPr wrap="none" rtlCol="0">
+            <a:spAutoFit/>
+          </a:bodyPr>
+          <a:lstStyle/>
+          <a:p>
+            <a:pPr algn="ctr"/>
+            <a:r>
+              <a:rPr lang="ko-KR" altLang="en-US" sz="2400">
+                <a:latin typeface="나눔스퀘어OTF_ac Light" panose="020B0600000101010101" pitchFamily="34" charset="-127"/>
+                <a:ea typeface="나눔스퀘어OTF_ac Light" panose="020B0600000101010101" pitchFamily="34" charset="-127"/>
+              </a:rPr>
+              <a:t>추가 예정</a:t>
+            </a:r>
+            <a:endParaRPr lang="en-US" altLang="ko-KR" sz="2400">
+              <a:latin typeface="나눔스퀘어OTF_ac Light" panose="020B0600000101010101" pitchFamily="34" charset="-127"/>
+              <a:ea typeface="나눔스퀘어OTF_ac Light" panose="020B0600000101010101" pitchFamily="34" charset="-127"/>
+            </a:endParaRPr>
+          </a:p>
+        </p:txBody>
+      </p:sp>
     </p:spTree>
     <p:extLst>
       <p:ext uri="{BB962C8B-B14F-4D97-AF65-F5344CB8AC3E}">
@@ -8888,6 +8974,49 @@
           </a:fontRef>
         </p:style>
       </p:cxnSp>
+      <p:sp>
+        <p:nvSpPr>
+          <p:cNvPr id="2" name="TextBox 1">
+            <a:extLst>
+              <a:ext uri="{FF2B5EF4-FFF2-40B4-BE49-F238E27FC236}">
+                <a16:creationId xmlns:a16="http://schemas.microsoft.com/office/drawing/2014/main" id="{41E58E70-2ECA-5C28-5DED-943EF401EF4E}"/>
+              </a:ext>
+            </a:extLst>
+          </p:cNvPr>
+          <p:cNvSpPr txBox="1"/>
+          <p:nvPr/>
+        </p:nvSpPr>
+        <p:spPr>
+          <a:xfrm>
+            <a:off x="5436204" y="3198167"/>
+            <a:ext cx="1319592" cy="461665"/>
+          </a:xfrm>
+          <a:prstGeom prst="rect">
+            <a:avLst/>
+          </a:prstGeom>
+          <a:noFill/>
+        </p:spPr>
+        <p:txBody>
+          <a:bodyPr wrap="none" rtlCol="0">
+            <a:spAutoFit/>
+          </a:bodyPr>
+          <a:lstStyle/>
+          <a:p>
+            <a:pPr algn="ctr"/>
+            <a:r>
+              <a:rPr lang="ko-KR" altLang="en-US" sz="2400">
+                <a:latin typeface="나눔스퀘어OTF_ac Light" panose="020B0600000101010101" pitchFamily="34" charset="-127"/>
+                <a:ea typeface="나눔스퀘어OTF_ac Light" panose="020B0600000101010101" pitchFamily="34" charset="-127"/>
+              </a:rPr>
+              <a:t>추가 예정</a:t>
+            </a:r>
+            <a:endParaRPr lang="en-US" altLang="ko-KR" sz="2400">
+              <a:latin typeface="나눔스퀘어OTF_ac Light" panose="020B0600000101010101" pitchFamily="34" charset="-127"/>
+              <a:ea typeface="나눔스퀘어OTF_ac Light" panose="020B0600000101010101" pitchFamily="34" charset="-127"/>
+            </a:endParaRPr>
+          </a:p>
+        </p:txBody>
+      </p:sp>
     </p:spTree>
     <p:extLst>
       <p:ext uri="{BB962C8B-B14F-4D97-AF65-F5344CB8AC3E}">
